--- a/AirOnline/report/AirOnline飞机售票系统.pptx
+++ b/AirOnline/report/AirOnline飞机售票系统.pptx
@@ -8271,7 +8271,7 @@
           <a:p>
             <a:fld id="{D38385A2-C556-42B4-A024-34CF23296D17}" type="datetimeFigureOut">
               <a:rPr lang="zh-CN" altLang="en-US" smtClean="0"/>
-              <a:t>2020/12/28</a:t>
+              <a:t>2020/12/29</a:t>
             </a:fld>
             <a:endParaRPr lang="zh-CN" altLang="en-US"/>
           </a:p>
@@ -8509,7 +8509,7 @@
           <a:p>
             <a:fld id="{D38385A2-C556-42B4-A024-34CF23296D17}" type="datetimeFigureOut">
               <a:rPr lang="zh-CN" altLang="en-US" smtClean="0"/>
-              <a:t>2020/12/28</a:t>
+              <a:t>2020/12/29</a:t>
             </a:fld>
             <a:endParaRPr lang="zh-CN" altLang="en-US"/>
           </a:p>
@@ -8747,7 +8747,7 @@
           <a:p>
             <a:fld id="{D38385A2-C556-42B4-A024-34CF23296D17}" type="datetimeFigureOut">
               <a:rPr lang="zh-CN" altLang="en-US" smtClean="0"/>
-              <a:t>2020/12/28</a:t>
+              <a:t>2020/12/29</a:t>
             </a:fld>
             <a:endParaRPr lang="zh-CN" altLang="en-US"/>
           </a:p>
@@ -8972,7 +8972,7 @@
                 </a:solidFill>
               </a:rPr>
               <a:pPr/>
-              <a:t>2020/12/28</a:t>
+              <a:t>2020/12/29</a:t>
             </a:fld>
             <a:endParaRPr lang="zh-CN" altLang="en-US">
               <a:solidFill>
@@ -9202,7 +9202,7 @@
                 </a:solidFill>
               </a:rPr>
               <a:pPr/>
-              <a:t>2020/12/28</a:t>
+              <a:t>2020/12/29</a:t>
             </a:fld>
             <a:endParaRPr lang="zh-CN" altLang="en-US">
               <a:solidFill>
@@ -9475,7 +9475,7 @@
           <a:p>
             <a:fld id="{D38385A2-C556-42B4-A024-34CF23296D17}" type="datetimeFigureOut">
               <a:rPr lang="zh-CN" altLang="en-US" smtClean="0"/>
-              <a:t>2020/12/28</a:t>
+              <a:t>2020/12/29</a:t>
             </a:fld>
             <a:endParaRPr lang="zh-CN" altLang="en-US"/>
           </a:p>
@@ -9780,7 +9780,7 @@
           <a:p>
             <a:fld id="{D38385A2-C556-42B4-A024-34CF23296D17}" type="datetimeFigureOut">
               <a:rPr lang="zh-CN" altLang="en-US" smtClean="0"/>
-              <a:t>2020/12/28</a:t>
+              <a:t>2020/12/29</a:t>
             </a:fld>
             <a:endParaRPr lang="zh-CN" altLang="en-US"/>
           </a:p>
@@ -10083,7 +10083,7 @@
           <a:p>
             <a:fld id="{D38385A2-C556-42B4-A024-34CF23296D17}" type="datetimeFigureOut">
               <a:rPr lang="zh-CN" altLang="en-US" smtClean="0"/>
-              <a:t>2020/12/28</a:t>
+              <a:t>2020/12/29</a:t>
             </a:fld>
             <a:endParaRPr lang="zh-CN" altLang="en-US"/>
           </a:p>
@@ -10534,7 +10534,7 @@
           <a:p>
             <a:fld id="{D38385A2-C556-42B4-A024-34CF23296D17}" type="datetimeFigureOut">
               <a:rPr lang="zh-CN" altLang="en-US" smtClean="0"/>
-              <a:t>2020/12/28</a:t>
+              <a:t>2020/12/29</a:t>
             </a:fld>
             <a:endParaRPr lang="zh-CN" altLang="en-US"/>
           </a:p>
@@ -10832,7 +10832,7 @@
           <a:p>
             <a:fld id="{D38385A2-C556-42B4-A024-34CF23296D17}" type="datetimeFigureOut">
               <a:rPr lang="zh-CN" altLang="en-US" smtClean="0"/>
-              <a:t>2020/12/28</a:t>
+              <a:t>2020/12/29</a:t>
             </a:fld>
             <a:endParaRPr lang="zh-CN" altLang="en-US"/>
           </a:p>
@@ -10969,7 +10969,7 @@
           <a:p>
             <a:fld id="{D38385A2-C556-42B4-A024-34CF23296D17}" type="datetimeFigureOut">
               <a:rPr lang="zh-CN" altLang="en-US" smtClean="0"/>
-              <a:t>2020/12/28</a:t>
+              <a:t>2020/12/29</a:t>
             </a:fld>
             <a:endParaRPr lang="zh-CN" altLang="en-US"/>
           </a:p>
@@ -11313,7 +11313,7 @@
           <a:p>
             <a:fld id="{D38385A2-C556-42B4-A024-34CF23296D17}" type="datetimeFigureOut">
               <a:rPr lang="zh-CN" altLang="en-US" smtClean="0"/>
-              <a:t>2020/12/28</a:t>
+              <a:t>2020/12/29</a:t>
             </a:fld>
             <a:endParaRPr lang="zh-CN" altLang="en-US"/>
           </a:p>
@@ -11634,7 +11634,7 @@
           <a:p>
             <a:fld id="{D38385A2-C556-42B4-A024-34CF23296D17}" type="datetimeFigureOut">
               <a:rPr lang="zh-CN" altLang="en-US" smtClean="0"/>
-              <a:t>2020/12/28</a:t>
+              <a:t>2020/12/29</a:t>
             </a:fld>
             <a:endParaRPr lang="zh-CN" altLang="en-US"/>
           </a:p>
@@ -16351,7 +16351,7 @@
         <p:spPr>
           <a:xfrm>
             <a:off x="7874393" y="3444942"/>
-            <a:ext cx="1260281" cy="369332"/>
+            <a:ext cx="933269" cy="369332"/>
           </a:xfrm>
           <a:prstGeom prst="rect">
             <a:avLst/>
@@ -16372,7 +16372,7 @@
                 <a:cs typeface="+mn-ea"/>
                 <a:sym typeface="+mn-lt"/>
               </a:rPr>
-              <a:t>init_db.py</a:t>
+              <a:t>app.py</a:t>
             </a:r>
             <a:endParaRPr lang="zh-CN" altLang="en-US" dirty="0">
               <a:solidFill>
